--- a/Power-of-the-Console/ppt/Power-of-the-console.pptx
+++ b/Power-of-the-Console/ppt/Power-of-the-console.pptx
@@ -25893,7 +25893,7 @@
           <a:p>
             <a:fld id="{5B82031E-CC76-4CD4-B9E1-CA1DF7176803}" type="datetimeFigureOut">
               <a:rPr lang="en-US" smtClean="0"/>
-              <a:t>9/17/2019</a:t>
+              <a:t>9/19/2019</a:t>
             </a:fld>
             <a:endParaRPr lang="en-US"/>
           </a:p>
@@ -26592,7 +26592,7 @@
             <a:fld id="{1D8BD707-D9CF-40AE-B4C6-C98DA3205C09}" type="datetimeFigureOut">
               <a:rPr lang="en-US" smtClean="0"/>
               <a:pPr/>
-              <a:t>9/17/2019</a:t>
+              <a:t>9/19/2019</a:t>
             </a:fld>
             <a:endParaRPr lang="en-US"/>
           </a:p>
@@ -26757,7 +26757,7 @@
             <a:fld id="{1D8BD707-D9CF-40AE-B4C6-C98DA3205C09}" type="datetimeFigureOut">
               <a:rPr lang="en-US" smtClean="0"/>
               <a:pPr/>
-              <a:t>9/17/2019</a:t>
+              <a:t>9/19/2019</a:t>
             </a:fld>
             <a:endParaRPr lang="en-US"/>
           </a:p>
@@ -26932,7 +26932,7 @@
             <a:fld id="{1D8BD707-D9CF-40AE-B4C6-C98DA3205C09}" type="datetimeFigureOut">
               <a:rPr lang="en-US" smtClean="0"/>
               <a:pPr/>
-              <a:t>9/17/2019</a:t>
+              <a:t>9/19/2019</a:t>
             </a:fld>
             <a:endParaRPr lang="en-US"/>
           </a:p>
@@ -27097,7 +27097,7 @@
             <a:fld id="{1D8BD707-D9CF-40AE-B4C6-C98DA3205C09}" type="datetimeFigureOut">
               <a:rPr lang="en-US" smtClean="0"/>
               <a:pPr/>
-              <a:t>9/17/2019</a:t>
+              <a:t>9/19/2019</a:t>
             </a:fld>
             <a:endParaRPr lang="en-US"/>
           </a:p>
@@ -27339,7 +27339,7 @@
             <a:fld id="{1D8BD707-D9CF-40AE-B4C6-C98DA3205C09}" type="datetimeFigureOut">
               <a:rPr lang="en-US" smtClean="0"/>
               <a:pPr/>
-              <a:t>9/17/2019</a:t>
+              <a:t>9/19/2019</a:t>
             </a:fld>
             <a:endParaRPr lang="en-US"/>
           </a:p>
@@ -27621,7 +27621,7 @@
             <a:fld id="{1D8BD707-D9CF-40AE-B4C6-C98DA3205C09}" type="datetimeFigureOut">
               <a:rPr lang="en-US" smtClean="0"/>
               <a:pPr/>
-              <a:t>9/17/2019</a:t>
+              <a:t>9/19/2019</a:t>
             </a:fld>
             <a:endParaRPr lang="en-US"/>
           </a:p>
@@ -28037,7 +28037,7 @@
             <a:fld id="{1D8BD707-D9CF-40AE-B4C6-C98DA3205C09}" type="datetimeFigureOut">
               <a:rPr lang="en-US" smtClean="0"/>
               <a:pPr/>
-              <a:t>9/17/2019</a:t>
+              <a:t>9/19/2019</a:t>
             </a:fld>
             <a:endParaRPr lang="en-US"/>
           </a:p>
@@ -28151,7 +28151,7 @@
             <a:fld id="{1D8BD707-D9CF-40AE-B4C6-C98DA3205C09}" type="datetimeFigureOut">
               <a:rPr lang="en-US" smtClean="0"/>
               <a:pPr/>
-              <a:t>9/17/2019</a:t>
+              <a:t>9/19/2019</a:t>
             </a:fld>
             <a:endParaRPr lang="en-US"/>
           </a:p>
@@ -28243,7 +28243,7 @@
             <a:fld id="{1D8BD707-D9CF-40AE-B4C6-C98DA3205C09}" type="datetimeFigureOut">
               <a:rPr lang="en-US" smtClean="0"/>
               <a:pPr/>
-              <a:t>9/17/2019</a:t>
+              <a:t>9/19/2019</a:t>
             </a:fld>
             <a:endParaRPr lang="en-US"/>
           </a:p>
@@ -28515,7 +28515,7 @@
             <a:fld id="{1D8BD707-D9CF-40AE-B4C6-C98DA3205C09}" type="datetimeFigureOut">
               <a:rPr lang="en-US" smtClean="0"/>
               <a:pPr/>
-              <a:t>9/17/2019</a:t>
+              <a:t>9/19/2019</a:t>
             </a:fld>
             <a:endParaRPr lang="en-US"/>
           </a:p>
@@ -28767,7 +28767,7 @@
             <a:fld id="{1D8BD707-D9CF-40AE-B4C6-C98DA3205C09}" type="datetimeFigureOut">
               <a:rPr lang="en-US" smtClean="0"/>
               <a:pPr/>
-              <a:t>9/17/2019</a:t>
+              <a:t>9/19/2019</a:t>
             </a:fld>
             <a:endParaRPr lang="en-US"/>
           </a:p>
@@ -28975,7 +28975,7 @@
             <a:fld id="{1D8BD707-D9CF-40AE-B4C6-C98DA3205C09}" type="datetimeFigureOut">
               <a:rPr lang="en-US" smtClean="0"/>
               <a:pPr/>
-              <a:t>9/17/2019</a:t>
+              <a:t>9/19/2019</a:t>
             </a:fld>
             <a:endParaRPr lang="en-US"/>
           </a:p>
@@ -37764,10 +37764,10 @@
       </p:sp>
       <p:pic>
         <p:nvPicPr>
-          <p:cNvPr id="5" name="Picture 4">
+          <p:cNvPr id="4" name="Picture 3">
             <a:extLst>
               <a:ext uri="{FF2B5EF4-FFF2-40B4-BE49-F238E27FC236}">
-                <a16:creationId xmlns:a16="http://schemas.microsoft.com/office/drawing/2014/main" id="{3A491E2F-0DC1-4318-B1A9-7CE64D227836}"/>
+                <a16:creationId xmlns:a16="http://schemas.microsoft.com/office/drawing/2014/main" id="{51728CBE-52B7-4634-ABA4-4308F3943B4B}"/>
               </a:ext>
             </a:extLst>
           </p:cNvPr>
@@ -37784,8 +37784,8 @@
         </p:blipFill>
         <p:spPr>
           <a:xfrm>
-            <a:off x="1828800" y="6270397"/>
-            <a:ext cx="13467430" cy="4010009"/>
+            <a:off x="2723231" y="1040267"/>
+            <a:ext cx="12572999" cy="5148773"/>
           </a:xfrm>
           <a:prstGeom prst="rect">
             <a:avLst/>
@@ -37794,10 +37794,10 @@
       </p:pic>
       <p:pic>
         <p:nvPicPr>
-          <p:cNvPr id="6" name="Picture 5">
+          <p:cNvPr id="5" name="Picture 4">
             <a:extLst>
               <a:ext uri="{FF2B5EF4-FFF2-40B4-BE49-F238E27FC236}">
-                <a16:creationId xmlns:a16="http://schemas.microsoft.com/office/drawing/2014/main" id="{AE9CA409-1C2B-4D52-8428-E7E2B40E0D28}"/>
+                <a16:creationId xmlns:a16="http://schemas.microsoft.com/office/drawing/2014/main" id="{3A491E2F-0DC1-4318-B1A9-7CE64D227836}"/>
               </a:ext>
             </a:extLst>
           </p:cNvPr>
@@ -37814,8 +37814,8 @@
         </p:blipFill>
         <p:spPr>
           <a:xfrm>
-            <a:off x="2276015" y="1092239"/>
-            <a:ext cx="12573000" cy="4967743"/>
+            <a:off x="1828800" y="6270397"/>
+            <a:ext cx="13467430" cy="4010009"/>
           </a:xfrm>
           <a:prstGeom prst="rect">
             <a:avLst/>
@@ -37836,7 +37836,7 @@
         </p:nvSpPr>
         <p:spPr>
           <a:xfrm rot="18648905">
-            <a:off x="3019885" y="2570403"/>
+            <a:off x="3975278" y="2870022"/>
             <a:ext cx="838200" cy="609600"/>
           </a:xfrm>
           <a:prstGeom prst="rightArrow">
@@ -37882,7 +37882,7 @@
         </p:nvSpPr>
         <p:spPr>
           <a:xfrm rot="12569875">
-            <a:off x="12668755" y="1805151"/>
+            <a:off x="12059154" y="1937750"/>
             <a:ext cx="838200" cy="609600"/>
           </a:xfrm>
           <a:prstGeom prst="rightArrow">
@@ -38020,7 +38020,7 @@
         </p:nvSpPr>
         <p:spPr>
           <a:xfrm rot="18080800">
-            <a:off x="4795974" y="2977822"/>
+            <a:off x="6090156" y="3810271"/>
             <a:ext cx="838200" cy="457200"/>
           </a:xfrm>
           <a:prstGeom prst="rightArrow">
@@ -38402,39 +38402,21 @@
                                   </p:childTnLst>
                                 </p:cTn>
                               </p:par>
-                            </p:childTnLst>
-                          </p:cTn>
-                        </p:par>
-                      </p:childTnLst>
-                    </p:cTn>
-                  </p:par>
-                  <p:par>
-                    <p:cTn id="29" fill="hold">
-                      <p:stCondLst>
-                        <p:cond delay="indefinite"/>
-                      </p:stCondLst>
-                      <p:childTnLst>
-                        <p:par>
-                          <p:cTn id="30" fill="hold">
-                            <p:stCondLst>
-                              <p:cond delay="0"/>
-                            </p:stCondLst>
-                            <p:childTnLst>
                               <p:par>
-                                <p:cTn id="31" presetID="1" presetClass="entr" presetSubtype="0" fill="hold" nodeType="clickEffect">
+                                <p:cTn id="29" presetID="1" presetClass="entr" presetSubtype="0" fill="hold" nodeType="withEffect">
                                   <p:stCondLst>
                                     <p:cond delay="0"/>
                                   </p:stCondLst>
                                   <p:childTnLst>
                                     <p:set>
                                       <p:cBhvr>
-                                        <p:cTn id="32" dur="1" fill="hold">
+                                        <p:cTn id="30" dur="1" fill="hold">
                                           <p:stCondLst>
                                             <p:cond delay="0"/>
                                           </p:stCondLst>
                                         </p:cTn>
                                         <p:tgtEl>
-                                          <p:spTgt spid="6"/>
+                                          <p:spTgt spid="4"/>
                                         </p:tgtEl>
                                         <p:attrNameLst>
                                           <p:attrName>style.visibility</p:attrName>
@@ -38451,20 +38433,20 @@
                           </p:cTn>
                         </p:par>
                         <p:par>
-                          <p:cTn id="33" fill="hold">
+                          <p:cTn id="31" fill="hold">
                             <p:stCondLst>
                               <p:cond delay="0"/>
                             </p:stCondLst>
                             <p:childTnLst>
                               <p:par>
-                                <p:cTn id="34" presetID="1" presetClass="entr" presetSubtype="0" fill="hold" nodeType="afterEffect">
+                                <p:cTn id="32" presetID="1" presetClass="entr" presetSubtype="0" fill="hold" nodeType="afterEffect">
                                   <p:stCondLst>
                                     <p:cond delay="0"/>
                                   </p:stCondLst>
                                   <p:childTnLst>
                                     <p:set>
                                       <p:cBhvr>
-                                        <p:cTn id="35" dur="1" fill="hold">
+                                        <p:cTn id="33" dur="1" fill="hold">
                                           <p:stCondLst>
                                             <p:cond delay="0"/>
                                           </p:stCondLst>
@@ -38490,19 +38472,46 @@
                     </p:cTn>
                   </p:par>
                   <p:par>
-                    <p:cTn id="36" fill="hold">
+                    <p:cTn id="34" fill="hold">
                       <p:stCondLst>
                         <p:cond delay="indefinite"/>
                       </p:stCondLst>
                       <p:childTnLst>
                         <p:par>
-                          <p:cTn id="37" fill="hold">
+                          <p:cTn id="35" fill="hold">
                             <p:stCondLst>
                               <p:cond delay="0"/>
                             </p:stCondLst>
                             <p:childTnLst>
                               <p:par>
-                                <p:cTn id="38" presetID="1" presetClass="entr" presetSubtype="0" fill="hold" grpId="0" nodeType="clickEffect">
+                                <p:cTn id="36" presetID="1" presetClass="entr" presetSubtype="0" fill="hold" grpId="0" nodeType="clickEffect">
+                                  <p:stCondLst>
+                                    <p:cond delay="0"/>
+                                  </p:stCondLst>
+                                  <p:childTnLst>
+                                    <p:set>
+                                      <p:cBhvr>
+                                        <p:cTn id="37" dur="1" fill="hold">
+                                          <p:stCondLst>
+                                            <p:cond delay="0"/>
+                                          </p:stCondLst>
+                                        </p:cTn>
+                                        <p:tgtEl>
+                                          <p:spTgt spid="13"/>
+                                        </p:tgtEl>
+                                        <p:attrNameLst>
+                                          <p:attrName>style.visibility</p:attrName>
+                                        </p:attrNameLst>
+                                      </p:cBhvr>
+                                      <p:to>
+                                        <p:strVal val="visible"/>
+                                      </p:to>
+                                    </p:set>
+                                  </p:childTnLst>
+                                </p:cTn>
+                              </p:par>
+                              <p:par>
+                                <p:cTn id="38" presetID="1" presetClass="entr" presetSubtype="0" fill="hold" grpId="0" nodeType="withEffect">
                                   <p:stCondLst>
                                     <p:cond delay="0"/>
                                   </p:stCondLst>
@@ -38515,7 +38524,7 @@
                                           </p:stCondLst>
                                         </p:cTn>
                                         <p:tgtEl>
-                                          <p:spTgt spid="13"/>
+                                          <p:spTgt spid="11"/>
                                         </p:tgtEl>
                                         <p:attrNameLst>
                                           <p:attrName>style.visibility</p:attrName>
@@ -38542,33 +38551,6 @@
                                           </p:stCondLst>
                                         </p:cTn>
                                         <p:tgtEl>
-                                          <p:spTgt spid="11"/>
-                                        </p:tgtEl>
-                                        <p:attrNameLst>
-                                          <p:attrName>style.visibility</p:attrName>
-                                        </p:attrNameLst>
-                                      </p:cBhvr>
-                                      <p:to>
-                                        <p:strVal val="visible"/>
-                                      </p:to>
-                                    </p:set>
-                                  </p:childTnLst>
-                                </p:cTn>
-                              </p:par>
-                              <p:par>
-                                <p:cTn id="42" presetID="1" presetClass="entr" presetSubtype="0" fill="hold" grpId="0" nodeType="withEffect">
-                                  <p:stCondLst>
-                                    <p:cond delay="0"/>
-                                  </p:stCondLst>
-                                  <p:childTnLst>
-                                    <p:set>
-                                      <p:cBhvr>
-                                        <p:cTn id="43" dur="1" fill="hold">
-                                          <p:stCondLst>
-                                            <p:cond delay="0"/>
-                                          </p:stCondLst>
-                                        </p:cTn>
-                                        <p:tgtEl>
                                           <p:spTgt spid="12"/>
                                         </p:tgtEl>
                                         <p:attrNameLst>
@@ -38589,26 +38571,26 @@
                     </p:cTn>
                   </p:par>
                   <p:par>
-                    <p:cTn id="44" fill="hold">
+                    <p:cTn id="42" fill="hold">
                       <p:stCondLst>
                         <p:cond delay="indefinite"/>
                       </p:stCondLst>
                       <p:childTnLst>
                         <p:par>
-                          <p:cTn id="45" fill="hold">
+                          <p:cTn id="43" fill="hold">
                             <p:stCondLst>
                               <p:cond delay="0"/>
                             </p:stCondLst>
                             <p:childTnLst>
                               <p:par>
-                                <p:cTn id="46" presetID="1" presetClass="entr" presetSubtype="0" fill="hold" grpId="0" nodeType="clickEffect">
+                                <p:cTn id="44" presetID="1" presetClass="entr" presetSubtype="0" fill="hold" grpId="0" nodeType="clickEffect">
                                   <p:stCondLst>
                                     <p:cond delay="0"/>
                                   </p:stCondLst>
                                   <p:childTnLst>
                                     <p:set>
                                       <p:cBhvr>
-                                        <p:cTn id="47" dur="1" fill="hold">
+                                        <p:cTn id="45" dur="1" fill="hold">
                                           <p:stCondLst>
                                             <p:cond delay="0"/>
                                           </p:stCondLst>
@@ -38628,14 +38610,14 @@
                                 </p:cTn>
                               </p:par>
                               <p:par>
-                                <p:cTn id="48" presetID="1" presetClass="entr" presetSubtype="0" fill="hold" grpId="0" nodeType="withEffect">
+                                <p:cTn id="46" presetID="1" presetClass="entr" presetSubtype="0" fill="hold" grpId="0" nodeType="withEffect">
                                   <p:stCondLst>
                                     <p:cond delay="0"/>
                                   </p:stCondLst>
                                   <p:childTnLst>
                                     <p:set>
                                       <p:cBhvr>
-                                        <p:cTn id="49" dur="1" fill="hold">
+                                        <p:cTn id="47" dur="1" fill="hold">
                                           <p:stCondLst>
                                             <p:cond delay="0"/>
                                           </p:stCondLst>
@@ -38791,25 +38773,7 @@
                 </a:solidFill>
                 <a:latin typeface="Barlow Medium"/>
               </a:rPr>
-              <a:t>Invoke-</a:t>
-            </a:r>
-            <a:r>
-              <a:rPr lang="en-US" sz="5400" b="1" spc="-126" dirty="0" err="1">
-                <a:solidFill>
-                  <a:srgbClr val="5271FF"/>
-                </a:solidFill>
-                <a:latin typeface="Barlow Medium"/>
-              </a:rPr>
-              <a:t>WebRequest</a:t>
-            </a:r>
-            <a:r>
-              <a:rPr lang="en-US" sz="5400" b="1" spc="-126" dirty="0">
-                <a:solidFill>
-                  <a:srgbClr val="5271FF"/>
-                </a:solidFill>
-                <a:latin typeface="Barlow Medium"/>
-              </a:rPr>
-              <a:t>  </a:t>
+              <a:t>Start-Process  </a:t>
             </a:r>
             <a:r>
               <a:rPr lang="en-US" sz="5400" b="1" i="1" spc="-126" dirty="0">
@@ -38821,7 +38785,7 @@
                 </a:solidFill>
                 <a:latin typeface="Barlow Medium"/>
               </a:rPr>
-              <a:t>aka.ms/cognitive-services</a:t>
+              <a:t>http://aka.ms/cognitive-services</a:t>
             </a:r>
           </a:p>
         </p:txBody>
